--- a/Week_5/Report of Animation.pptx
+++ b/Week_5/Report of Animation.pptx
@@ -13,7 +13,8 @@
     <p:sldId id="264" r:id="rId7"/>
     <p:sldId id="265" r:id="rId8"/>
     <p:sldId id="266" r:id="rId9"/>
-    <p:sldId id="267" r:id="rId10"/>
+    <p:sldId id="268" r:id="rId10"/>
+    <p:sldId id="267" r:id="rId11"/>
   </p:sldIdLst>
   <p:sldSz cx="12192000" cy="6858000"/>
   <p:notesSz cx="6858000" cy="9144000"/>
@@ -5968,6 +5969,81 @@
 </p:sld>
 </file>
 
+<file path=ppt/slides/slide10.xml><?xml version="1.0" encoding="utf-8"?>
+<p:sld xmlns:a="http://schemas.openxmlformats.org/drawingml/2006/main" xmlns:r="http://schemas.openxmlformats.org/officeDocument/2006/relationships" xmlns:p="http://schemas.openxmlformats.org/presentationml/2006/main">
+  <p:cSld>
+    <p:spTree>
+      <p:nvGrpSpPr>
+        <p:cNvPr id="1" name=""/>
+        <p:cNvGrpSpPr/>
+        <p:nvPr/>
+      </p:nvGrpSpPr>
+      <p:grpSpPr>
+        <a:xfrm>
+          <a:off x="0" y="0"/>
+          <a:ext cx="0" cy="0"/>
+          <a:chOff x="0" y="0"/>
+          <a:chExt cx="0" cy="0"/>
+        </a:xfrm>
+      </p:grpSpPr>
+      <p:sp>
+        <p:nvSpPr>
+          <p:cNvPr id="4" name="標題 3">
+            <a:extLst>
+              <a:ext uri="{FF2B5EF4-FFF2-40B4-BE49-F238E27FC236}">
+                <a16:creationId xmlns:a16="http://schemas.microsoft.com/office/drawing/2014/main" id="{BFEE5E7A-A932-452B-8789-1E636E22CED0}"/>
+              </a:ext>
+            </a:extLst>
+          </p:cNvPr>
+          <p:cNvSpPr>
+            <a:spLocks noGrp="1"/>
+          </p:cNvSpPr>
+          <p:nvPr>
+            <p:ph type="title"/>
+          </p:nvPr>
+        </p:nvSpPr>
+        <p:spPr>
+          <a:xfrm>
+            <a:off x="838200" y="2693545"/>
+            <a:ext cx="10515600" cy="1325563"/>
+          </a:xfrm>
+        </p:spPr>
+        <p:txBody>
+          <a:bodyPr>
+            <a:normAutofit/>
+          </a:bodyPr>
+          <a:lstStyle/>
+          <a:p>
+            <a:pPr algn="ctr"/>
+            <a:r>
+              <a:rPr lang="en-US" altLang="zh-TW" sz="6600" dirty="0"/>
+              <a:t>THE</a:t>
+            </a:r>
+            <a:r>
+              <a:rPr lang="zh-TW" altLang="en-US" sz="6600" dirty="0"/>
+              <a:t> </a:t>
+            </a:r>
+            <a:r>
+              <a:rPr lang="en-US" altLang="zh-TW" sz="6600" dirty="0"/>
+              <a:t>END</a:t>
+            </a:r>
+            <a:endParaRPr lang="zh-TW" altLang="en-US" sz="6600" dirty="0"/>
+          </a:p>
+        </p:txBody>
+      </p:sp>
+    </p:spTree>
+    <p:extLst>
+      <p:ext uri="{BB962C8B-B14F-4D97-AF65-F5344CB8AC3E}">
+        <p14:creationId xmlns:p14="http://schemas.microsoft.com/office/powerpoint/2010/main" val="3960270181"/>
+      </p:ext>
+    </p:extLst>
+  </p:cSld>
+  <p:clrMapOvr>
+    <a:masterClrMapping/>
+  </p:clrMapOvr>
+</p:sld>
+</file>
+
 <file path=ppt/slides/slide2.xml><?xml version="1.0" encoding="utf-8"?>
 <p:sld xmlns:a="http://schemas.openxmlformats.org/drawingml/2006/main" xmlns:r="http://schemas.openxmlformats.org/officeDocument/2006/relationships" xmlns:p="http://schemas.openxmlformats.org/presentationml/2006/main">
   <p:cSld>
@@ -6082,6 +6158,10 @@
               </a:rPr>
               <a:t>每個月連載前十名的動漫</a:t>
             </a:r>
+            <a:endParaRPr lang="en-US" altLang="zh-TW" sz="2800" dirty="0">
+              <a:latin typeface="標楷體" panose="03000509000000000000" pitchFamily="65" charset="-120"/>
+              <a:ea typeface="標楷體" panose="03000509000000000000" pitchFamily="65" charset="-120"/>
+            </a:endParaRPr>
           </a:p>
           <a:p>
             <a:pPr lvl="1">
@@ -6093,14 +6173,8 @@
                 <a:latin typeface="標楷體" panose="03000509000000000000" pitchFamily="65" charset="-120"/>
                 <a:ea typeface="標楷體" panose="03000509000000000000" pitchFamily="65" charset="-120"/>
               </a:rPr>
-              <a:t>進一步調查是哪部作品開始，引起這樣變化的</a:t>
-            </a:r>
-            <a:endParaRPr lang="en-US" altLang="zh-TW" sz="2800" dirty="0">
-              <a:latin typeface="標楷體" panose="03000509000000000000" pitchFamily="65" charset="-120"/>
-              <a:ea typeface="標楷體" panose="03000509000000000000" pitchFamily="65" charset="-120"/>
-            </a:endParaRPr>
-          </a:p>
-          <a:p>
+              <a:t>想看的人氣作為依據</a:t>
+            </a:r>
             <a:endParaRPr lang="en-US" altLang="zh-TW" dirty="0">
               <a:latin typeface="標楷體" panose="03000509000000000000" pitchFamily="65" charset="-120"/>
               <a:ea typeface="標楷體" panose="03000509000000000000" pitchFamily="65" charset="-120"/>
@@ -6200,7 +6274,12 @@
             <p:ph idx="1"/>
           </p:nvPr>
         </p:nvSpPr>
-        <p:spPr/>
+        <p:spPr>
+          <a:xfrm>
+            <a:off x="677334" y="2160589"/>
+            <a:ext cx="8127301" cy="3995114"/>
+          </a:xfrm>
+        </p:spPr>
         <p:txBody>
           <a:bodyPr>
             <a:normAutofit/>
@@ -6208,7 +6287,24 @@
           <a:lstStyle/>
           <a:p>
             <a:r>
-              <a:rPr lang="zh-TW" altLang="en-US" sz="3200" dirty="0">
+              <a:rPr lang="zh-TW" altLang="en-US" sz="2800" dirty="0">
+                <a:latin typeface="標楷體" panose="03000509000000000000" pitchFamily="65" charset="-120"/>
+                <a:ea typeface="標楷體" panose="03000509000000000000" pitchFamily="65" charset="-120"/>
+              </a:rPr>
+              <a:t>口味有無改變？若有</a:t>
+            </a:r>
+            <a:endParaRPr lang="en-US" altLang="zh-TW" sz="2800" dirty="0">
+              <a:latin typeface="標楷體" panose="03000509000000000000" pitchFamily="65" charset="-120"/>
+              <a:ea typeface="標楷體" panose="03000509000000000000" pitchFamily="65" charset="-120"/>
+            </a:endParaRPr>
+          </a:p>
+          <a:p>
+            <a:pPr lvl="1">
+              <a:buFont typeface="Wingdings" panose="05000000000000000000" pitchFamily="2" charset="2"/>
+              <a:buChar char="ü"/>
+            </a:pPr>
+            <a:r>
+              <a:rPr lang="zh-TW" altLang="en-US" sz="2800" dirty="0">
                 <a:latin typeface="標楷體" panose="03000509000000000000" pitchFamily="65" charset="-120"/>
                 <a:ea typeface="標楷體" panose="03000509000000000000" pitchFamily="65" charset="-120"/>
               </a:rPr>
@@ -6220,51 +6316,23 @@
               <a:buNone/>
             </a:pPr>
             <a:r>
-              <a:rPr lang="en-US" altLang="zh-TW" sz="3200" dirty="0">
+              <a:rPr lang="en-US" altLang="zh-TW" sz="2800" dirty="0">
                 <a:latin typeface="+mj-lt"/>
                 <a:ea typeface="標楷體" panose="03000509000000000000" pitchFamily="65" charset="-120"/>
               </a:rPr>
               <a:t>ex:</a:t>
             </a:r>
             <a:r>
-              <a:rPr lang="zh-TW" altLang="en-US" sz="3200" dirty="0">
+              <a:rPr lang="zh-TW" altLang="en-US" sz="2800" dirty="0">
                 <a:latin typeface="標楷體" panose="03000509000000000000" pitchFamily="65" charset="-120"/>
                 <a:ea typeface="標楷體" panose="03000509000000000000" pitchFamily="65" charset="-120"/>
               </a:rPr>
               <a:t>偵探像動畫變得熱門？有劇情的動畫變的熱門？</a:t>
             </a:r>
-            <a:endParaRPr lang="en-US" altLang="zh-TW" sz="3200" dirty="0">
+            <a:endParaRPr lang="en-US" altLang="zh-TW" sz="2800" dirty="0">
               <a:latin typeface="標楷體" panose="03000509000000000000" pitchFamily="65" charset="-120"/>
               <a:ea typeface="標楷體" panose="03000509000000000000" pitchFamily="65" charset="-120"/>
             </a:endParaRPr>
-          </a:p>
-          <a:p>
-            <a:r>
-              <a:rPr lang="zh-TW" altLang="en-US" sz="3200" dirty="0">
-                <a:latin typeface="標楷體" panose="03000509000000000000" pitchFamily="65" charset="-120"/>
-                <a:ea typeface="標楷體" panose="03000509000000000000" pitchFamily="65" charset="-120"/>
-              </a:rPr>
-              <a:t>人氣迸出：人氣與出產的順序？</a:t>
-            </a:r>
-          </a:p>
-          <a:p>
-            <a:pPr marL="0" indent="0">
-              <a:buNone/>
-            </a:pPr>
-            <a:r>
-              <a:rPr lang="en-US" altLang="zh-TW" sz="3200" dirty="0">
-                <a:latin typeface="+mj-lt"/>
-                <a:ea typeface="標楷體" panose="03000509000000000000" pitchFamily="65" charset="-120"/>
-              </a:rPr>
-              <a:t>ex:</a:t>
-            </a:r>
-            <a:r>
-              <a:rPr lang="zh-TW" altLang="en-US" sz="3200" dirty="0">
-                <a:latin typeface="標楷體" panose="03000509000000000000" pitchFamily="65" charset="-120"/>
-                <a:ea typeface="標楷體" panose="03000509000000000000" pitchFamily="65" charset="-120"/>
-              </a:rPr>
-              <a:t>是偵探向動畫變得熱門才大量出現偵探動畫？還是片商出了大量偵探動畫後，它才變得熱門？</a:t>
-            </a:r>
           </a:p>
         </p:txBody>
       </p:sp>
@@ -6413,36 +6481,6 @@
                 <a:ea typeface="標楷體" panose="03000509000000000000" pitchFamily="65" charset="-120"/>
               </a:rPr>
               <a:t>)</a:t>
-            </a:r>
-          </a:p>
-          <a:p>
-            <a:r>
-              <a:rPr lang="zh-TW" altLang="en-US" sz="2800" dirty="0">
-                <a:latin typeface="標楷體" panose="03000509000000000000" pitchFamily="65" charset="-120"/>
-                <a:ea typeface="標楷體" panose="03000509000000000000" pitchFamily="65" charset="-120"/>
-              </a:rPr>
-              <a:t>人氣帶動產量 </a:t>
-            </a:r>
-            <a:r>
-              <a:rPr lang="en-US" altLang="zh-TW" sz="2800" dirty="0">
-                <a:latin typeface="+mj-lt"/>
-                <a:ea typeface="標楷體" panose="03000509000000000000" pitchFamily="65" charset="-120"/>
-              </a:rPr>
-              <a:t>or</a:t>
-            </a:r>
-            <a:r>
-              <a:rPr lang="en-US" altLang="zh-TW" sz="2800" dirty="0">
-                <a:latin typeface="標楷體" panose="03000509000000000000" pitchFamily="65" charset="-120"/>
-                <a:ea typeface="標楷體" panose="03000509000000000000" pitchFamily="65" charset="-120"/>
-              </a:rPr>
-              <a:t> </a:t>
-            </a:r>
-            <a:r>
-              <a:rPr lang="zh-TW" altLang="en-US" sz="2800" dirty="0">
-                <a:latin typeface="標楷體" panose="03000509000000000000" pitchFamily="65" charset="-120"/>
-                <a:ea typeface="標楷體" panose="03000509000000000000" pitchFamily="65" charset="-120"/>
-              </a:rPr>
-              <a:t>產量帶動人氣</a:t>
             </a:r>
           </a:p>
         </p:txBody>
@@ -7279,10 +7317,10 @@
       </p:grpSpPr>
       <p:sp>
         <p:nvSpPr>
-          <p:cNvPr id="4" name="標題 3">
+          <p:cNvPr id="3" name="內容版面配置區 2">
             <a:extLst>
               <a:ext uri="{FF2B5EF4-FFF2-40B4-BE49-F238E27FC236}">
-                <a16:creationId xmlns:a16="http://schemas.microsoft.com/office/drawing/2014/main" id="{BFEE5E7A-A932-452B-8789-1E636E22CED0}"/>
+                <a16:creationId xmlns:a16="http://schemas.microsoft.com/office/drawing/2014/main" id="{3AA4E24A-D1BE-4D37-A487-6FEA28540AA9}"/>
               </a:ext>
             </a:extLst>
           </p:cNvPr>
@@ -7290,13 +7328,13 @@
             <a:spLocks noGrp="1"/>
           </p:cNvSpPr>
           <p:nvPr>
-            <p:ph type="title"/>
+            <p:ph idx="1"/>
           </p:nvPr>
         </p:nvSpPr>
         <p:spPr>
           <a:xfrm>
-            <a:off x="838200" y="2693545"/>
-            <a:ext cx="10515600" cy="1325563"/>
+            <a:off x="611346" y="1522708"/>
+            <a:ext cx="10342600" cy="4981786"/>
           </a:xfrm>
         </p:spPr>
         <p:txBody>
@@ -7305,27 +7343,164 @@
           </a:bodyPr>
           <a:lstStyle/>
           <a:p>
+            <a:r>
+              <a:rPr lang="zh-TW" altLang="en-US" sz="2800" dirty="0">
+                <a:latin typeface="標楷體" panose="03000509000000000000" pitchFamily="65" charset="-120"/>
+                <a:ea typeface="標楷體" panose="03000509000000000000" pitchFamily="65" charset="-120"/>
+              </a:rPr>
+              <a:t>固定的「霸權」，觀眾的口味沒有特別改變</a:t>
+            </a:r>
+            <a:endParaRPr lang="en-US" altLang="zh-TW" sz="2800" dirty="0">
+              <a:latin typeface="標楷體" panose="03000509000000000000" pitchFamily="65" charset="-120"/>
+              <a:ea typeface="標楷體" panose="03000509000000000000" pitchFamily="65" charset="-120"/>
+            </a:endParaRPr>
+          </a:p>
+          <a:p>
+            <a:r>
+              <a:rPr lang="zh-TW" altLang="en-US" sz="2800" dirty="0">
+                <a:latin typeface="標楷體" panose="03000509000000000000" pitchFamily="65" charset="-120"/>
+                <a:ea typeface="標楷體" panose="03000509000000000000" pitchFamily="65" charset="-120"/>
+              </a:rPr>
+              <a:t>人氣類型：</a:t>
+            </a:r>
+            <a:endParaRPr lang="en-US" altLang="zh-TW" sz="2800" dirty="0">
+              <a:latin typeface="標楷體" panose="03000509000000000000" pitchFamily="65" charset="-120"/>
+              <a:ea typeface="標楷體" panose="03000509000000000000" pitchFamily="65" charset="-120"/>
+            </a:endParaRPr>
+          </a:p>
+          <a:p>
+            <a:pPr lvl="1">
+              <a:buFont typeface="Wingdings" panose="05000000000000000000" pitchFamily="2" charset="2"/>
+              <a:buChar char="ü"/>
+            </a:pPr>
+            <a:r>
+              <a:rPr lang="zh-TW" altLang="en-US" sz="2800" dirty="0">
+                <a:latin typeface="標楷體" panose="03000509000000000000" pitchFamily="65" charset="-120"/>
+                <a:ea typeface="標楷體" panose="03000509000000000000" pitchFamily="65" charset="-120"/>
+              </a:rPr>
+              <a:t>奇幻冒險</a:t>
+            </a:r>
+            <a:endParaRPr lang="en-US" altLang="zh-TW" sz="2800" dirty="0">
+              <a:latin typeface="標楷體" panose="03000509000000000000" pitchFamily="65" charset="-120"/>
+              <a:ea typeface="標楷體" panose="03000509000000000000" pitchFamily="65" charset="-120"/>
+            </a:endParaRPr>
+          </a:p>
+          <a:p>
+            <a:pPr lvl="1">
+              <a:buFont typeface="Wingdings" panose="05000000000000000000" pitchFamily="2" charset="2"/>
+              <a:buChar char="ü"/>
+            </a:pPr>
+            <a:endParaRPr lang="en-US" altLang="zh-TW" sz="2800" dirty="0">
+              <a:latin typeface="標楷體" panose="03000509000000000000" pitchFamily="65" charset="-120"/>
+              <a:ea typeface="標楷體" panose="03000509000000000000" pitchFamily="65" charset="-120"/>
+            </a:endParaRPr>
+          </a:p>
+          <a:p>
+            <a:r>
+              <a:rPr lang="zh-TW" altLang="en-US" sz="2800" dirty="0">
+                <a:latin typeface="標楷體" panose="03000509000000000000" pitchFamily="65" charset="-120"/>
+                <a:ea typeface="標楷體" panose="03000509000000000000" pitchFamily="65" charset="-120"/>
+              </a:rPr>
+              <a:t>喜好特色：</a:t>
+            </a:r>
+            <a:endParaRPr lang="en-US" altLang="zh-TW" sz="2800" dirty="0">
+              <a:latin typeface="標楷體" panose="03000509000000000000" pitchFamily="65" charset="-120"/>
+              <a:ea typeface="標楷體" panose="03000509000000000000" pitchFamily="65" charset="-120"/>
+            </a:endParaRPr>
+          </a:p>
+          <a:p>
+            <a:pPr lvl="1">
+              <a:buFont typeface="Wingdings" panose="05000000000000000000" pitchFamily="2" charset="2"/>
+              <a:buChar char="ü"/>
+            </a:pPr>
+            <a:r>
+              <a:rPr lang="zh-TW" altLang="en-US" sz="2800" dirty="0">
+                <a:latin typeface="標楷體" panose="03000509000000000000" pitchFamily="65" charset="-120"/>
+                <a:ea typeface="標楷體" panose="03000509000000000000" pitchFamily="65" charset="-120"/>
+              </a:rPr>
+              <a:t>動畫品質</a:t>
+            </a:r>
+            <a:endParaRPr lang="en-US" altLang="zh-TW" sz="2800" dirty="0">
+              <a:latin typeface="標楷體" panose="03000509000000000000" pitchFamily="65" charset="-120"/>
+              <a:ea typeface="標楷體" panose="03000509000000000000" pitchFamily="65" charset="-120"/>
+            </a:endParaRPr>
+          </a:p>
+          <a:p>
+            <a:pPr lvl="1">
+              <a:buFont typeface="Wingdings" panose="05000000000000000000" pitchFamily="2" charset="2"/>
+              <a:buChar char="ü"/>
+            </a:pPr>
+            <a:r>
+              <a:rPr lang="zh-TW" altLang="en-US" sz="2800" dirty="0">
+                <a:latin typeface="標楷體" panose="03000509000000000000" pitchFamily="65" charset="-120"/>
+                <a:ea typeface="標楷體" panose="03000509000000000000" pitchFamily="65" charset="-120"/>
+              </a:rPr>
+              <a:t>聲優配音</a:t>
+            </a:r>
+            <a:endParaRPr lang="en-US" altLang="zh-TW" sz="2800" dirty="0">
+              <a:latin typeface="標楷體" panose="03000509000000000000" pitchFamily="65" charset="-120"/>
+              <a:ea typeface="標楷體" panose="03000509000000000000" pitchFamily="65" charset="-120"/>
+            </a:endParaRPr>
+          </a:p>
+          <a:p>
+            <a:pPr lvl="1">
+              <a:buFont typeface="Wingdings" panose="05000000000000000000" pitchFamily="2" charset="2"/>
+              <a:buChar char="ü"/>
+            </a:pPr>
+            <a:r>
+              <a:rPr lang="zh-TW" altLang="en-US" sz="2800" dirty="0">
+                <a:latin typeface="標楷體" panose="03000509000000000000" pitchFamily="65" charset="-120"/>
+                <a:ea typeface="標楷體" panose="03000509000000000000" pitchFamily="65" charset="-120"/>
+              </a:rPr>
+              <a:t>角色設定</a:t>
+            </a:r>
+            <a:endParaRPr lang="zh-TW" altLang="en-US" dirty="0"/>
+          </a:p>
+        </p:txBody>
+      </p:sp>
+      <p:sp>
+        <p:nvSpPr>
+          <p:cNvPr id="4" name="標題 1">
+            <a:extLst>
+              <a:ext uri="{FF2B5EF4-FFF2-40B4-BE49-F238E27FC236}">
+                <a16:creationId xmlns:a16="http://schemas.microsoft.com/office/drawing/2014/main" id="{210890AE-8AEF-4CEB-BE3C-DF4C9725A790}"/>
+              </a:ext>
+            </a:extLst>
+          </p:cNvPr>
+          <p:cNvSpPr>
+            <a:spLocks noGrp="1"/>
+          </p:cNvSpPr>
+          <p:nvPr>
+            <p:ph type="title"/>
+          </p:nvPr>
+        </p:nvSpPr>
+        <p:spPr>
+          <a:xfrm>
+            <a:off x="677863" y="609600"/>
+            <a:ext cx="8596312" cy="1320800"/>
+          </a:xfrm>
+        </p:spPr>
+        <p:txBody>
+          <a:bodyPr>
+            <a:normAutofit/>
+          </a:bodyPr>
+          <a:lstStyle/>
+          <a:p>
             <a:pPr algn="ctr"/>
             <a:r>
-              <a:rPr lang="en-US" altLang="zh-TW" sz="6600" dirty="0"/>
-              <a:t>THE</a:t>
-            </a:r>
-            <a:r>
-              <a:rPr lang="zh-TW" altLang="en-US" sz="6600" dirty="0"/>
-              <a:t> </a:t>
-            </a:r>
-            <a:r>
-              <a:rPr lang="en-US" altLang="zh-TW" sz="6600" dirty="0"/>
-              <a:t>END</a:t>
-            </a:r>
-            <a:endParaRPr lang="zh-TW" altLang="en-US" sz="6600" dirty="0"/>
+              <a:rPr lang="zh-TW" altLang="en-US" sz="6600" b="1" dirty="0">
+                <a:latin typeface="微軟正黑體" panose="020B0604030504040204" pitchFamily="34" charset="-120"/>
+                <a:ea typeface="微軟正黑體" panose="020B0604030504040204" pitchFamily="34" charset="-120"/>
+              </a:rPr>
+              <a:t>結論</a:t>
+            </a:r>
           </a:p>
         </p:txBody>
       </p:sp>
     </p:spTree>
     <p:extLst>
       <p:ext uri="{BB962C8B-B14F-4D97-AF65-F5344CB8AC3E}">
-        <p14:creationId xmlns:p14="http://schemas.microsoft.com/office/powerpoint/2010/main" val="3960270181"/>
+        <p14:creationId xmlns:p14="http://schemas.microsoft.com/office/powerpoint/2010/main" val="2635909732"/>
       </p:ext>
     </p:extLst>
   </p:cSld>
